--- a/SERVICE BROKERS.pptx
+++ b/SERVICE BROKERS.pptx
@@ -1678,7 +1678,7 @@
         </p:nvSpPr>
         <p:spPr>
           <a:xfrm>
-            <a:off x="381300" y="685800"/>
+            <a:off x="381000" y="685800"/>
             <a:ext cx="6096000" cy="3429000"/>
           </a:xfrm>
           <a:custGeom>
@@ -8024,7 +8024,7 @@
               <a:buFont typeface="Arial"/>
             </a:pPr>
             <a:r>
-              <a:rPr lang="en"/>
+              <a:rPr lang="en" dirty="0"/>
               <a:t>Timeouts</a:t>
             </a:r>
           </a:p>
@@ -8041,7 +8041,7 @@
               </a:spcAft>
             </a:pPr>
             <a:r>
-              <a:rPr lang="en"/>
+              <a:rPr lang="en" dirty="0"/>
               <a:t>Async possible</a:t>
             </a:r>
           </a:p>
@@ -8058,26 +8058,10 @@
               </a:spcAft>
             </a:pPr>
             <a:r>
-              <a:rPr lang="en"/>
+              <a:rPr lang="en" smtClean="0"/>
               <a:t>Polling</a:t>
             </a:r>
-          </a:p>
-          <a:p>
-            <a:pPr marL="457200" marR="0" lvl="0" indent="-228600" algn="l" rtl="0">
-              <a:lnSpc>
-                <a:spcPct val="115000"/>
-              </a:lnSpc>
-              <a:spcBef>
-                <a:spcPts val="0"/>
-              </a:spcBef>
-              <a:spcAft>
-                <a:spcPts val="1600"/>
-              </a:spcAft>
-            </a:pPr>
-            <a:r>
-              <a:rPr lang="en"/>
-              <a:t>Dashboard link (w/ SSO)</a:t>
-            </a:r>
+            <a:endParaRPr lang="en" dirty="0"/>
           </a:p>
         </p:txBody>
       </p:sp>
@@ -8113,7 +8097,7 @@
               <a:buNone/>
             </a:pPr>
             <a:r>
-              <a:rPr lang="en" u="sng">
+              <a:rPr lang="en" u="sng" dirty="0">
                 <a:solidFill>
                   <a:schemeClr val="hlink"/>
                 </a:solidFill>
